--- a/InterviewQuestion/Database/img/img.pptx
+++ b/InterviewQuestion/Database/img/img.pptx
@@ -104,6 +104,11 @@
       </a:defRPr>
     </a:lvl9pPr>
   </p:defaultTextStyle>
+  <p:extLst>
+    <p:ext uri="{EFAFB233-063F-42B5-8137-9DF3F51BA10A}">
+      <p15:sldGuideLst xmlns:p15="http://schemas.microsoft.com/office/powerpoint/2012/main"/>
+    </p:ext>
+  </p:extLst>
 </p:presentation>
 </file>
 
@@ -3321,6 +3326,672 @@
           <a:chExt cx="0" cy="0"/>
         </a:xfrm>
       </p:grpSpPr>
+      <p:pic>
+        <p:nvPicPr>
+          <p:cNvPr id="2" name="그림 1">
+            <a:extLst>
+              <a:ext uri="{FF2B5EF4-FFF2-40B4-BE49-F238E27FC236}">
+                <a16:creationId xmlns:a16="http://schemas.microsoft.com/office/drawing/2014/main" id="{27539A57-1CA2-4C68-BFB7-F11F22CD5988}"/>
+              </a:ext>
+            </a:extLst>
+          </p:cNvPr>
+          <p:cNvPicPr>
+            <a:picLocks noChangeAspect="1"/>
+          </p:cNvPicPr>
+          <p:nvPr/>
+        </p:nvPicPr>
+        <p:blipFill>
+          <a:blip r:embed="rId2"/>
+          <a:stretch>
+            <a:fillRect/>
+          </a:stretch>
+        </p:blipFill>
+        <p:spPr>
+          <a:xfrm>
+            <a:off x="2957512" y="2233612"/>
+            <a:ext cx="6276975" cy="2390775"/>
+          </a:xfrm>
+          <a:prstGeom prst="rect">
+            <a:avLst/>
+          </a:prstGeom>
+        </p:spPr>
+      </p:pic>
+      <p:cxnSp>
+        <p:nvCxnSpPr>
+          <p:cNvPr id="4" name="직선 화살표 연결선 3">
+            <a:extLst>
+              <a:ext uri="{FF2B5EF4-FFF2-40B4-BE49-F238E27FC236}">
+                <a16:creationId xmlns:a16="http://schemas.microsoft.com/office/drawing/2014/main" id="{194F007A-5E58-47E1-8481-7EE5D0575581}"/>
+              </a:ext>
+            </a:extLst>
+          </p:cNvPr>
+          <p:cNvCxnSpPr/>
+          <p:nvPr/>
+        </p:nvCxnSpPr>
+        <p:spPr>
+          <a:xfrm>
+            <a:off x="2758729" y="2991679"/>
+            <a:ext cx="397565" cy="0"/>
+          </a:xfrm>
+          <a:prstGeom prst="straightConnector1">
+            <a:avLst/>
+          </a:prstGeom>
+          <a:ln w="22225">
+            <a:solidFill>
+              <a:schemeClr val="accent6">
+                <a:lumMod val="75000"/>
+              </a:schemeClr>
+            </a:solidFill>
+            <a:tailEnd type="triangle"/>
+          </a:ln>
+        </p:spPr>
+        <p:style>
+          <a:lnRef idx="1">
+            <a:schemeClr val="accent1"/>
+          </a:lnRef>
+          <a:fillRef idx="0">
+            <a:schemeClr val="accent1"/>
+          </a:fillRef>
+          <a:effectRef idx="0">
+            <a:schemeClr val="accent1"/>
+          </a:effectRef>
+          <a:fontRef idx="minor">
+            <a:schemeClr val="tx1"/>
+          </a:fontRef>
+        </p:style>
+      </p:cxnSp>
+      <p:cxnSp>
+        <p:nvCxnSpPr>
+          <p:cNvPr id="5" name="직선 화살표 연결선 4">
+            <a:extLst>
+              <a:ext uri="{FF2B5EF4-FFF2-40B4-BE49-F238E27FC236}">
+                <a16:creationId xmlns:a16="http://schemas.microsoft.com/office/drawing/2014/main" id="{5600CE5A-4981-40C9-B699-49524F69827D}"/>
+              </a:ext>
+            </a:extLst>
+          </p:cNvPr>
+          <p:cNvCxnSpPr/>
+          <p:nvPr/>
+        </p:nvCxnSpPr>
+        <p:spPr>
+          <a:xfrm>
+            <a:off x="2758729" y="3429000"/>
+            <a:ext cx="397565" cy="0"/>
+          </a:xfrm>
+          <a:prstGeom prst="straightConnector1">
+            <a:avLst/>
+          </a:prstGeom>
+          <a:ln w="22225">
+            <a:solidFill>
+              <a:schemeClr val="accent6">
+                <a:lumMod val="75000"/>
+              </a:schemeClr>
+            </a:solidFill>
+            <a:tailEnd type="triangle"/>
+          </a:ln>
+        </p:spPr>
+        <p:style>
+          <a:lnRef idx="1">
+            <a:schemeClr val="accent1"/>
+          </a:lnRef>
+          <a:fillRef idx="0">
+            <a:schemeClr val="accent1"/>
+          </a:fillRef>
+          <a:effectRef idx="0">
+            <a:schemeClr val="accent1"/>
+          </a:effectRef>
+          <a:fontRef idx="minor">
+            <a:schemeClr val="tx1"/>
+          </a:fontRef>
+        </p:style>
+      </p:cxnSp>
+      <p:cxnSp>
+        <p:nvCxnSpPr>
+          <p:cNvPr id="6" name="직선 화살표 연결선 5">
+            <a:extLst>
+              <a:ext uri="{FF2B5EF4-FFF2-40B4-BE49-F238E27FC236}">
+                <a16:creationId xmlns:a16="http://schemas.microsoft.com/office/drawing/2014/main" id="{EC155F7C-1C95-4996-AA78-DF9482587FC7}"/>
+              </a:ext>
+            </a:extLst>
+          </p:cNvPr>
+          <p:cNvCxnSpPr/>
+          <p:nvPr/>
+        </p:nvCxnSpPr>
+        <p:spPr>
+          <a:xfrm>
+            <a:off x="2758729" y="3866321"/>
+            <a:ext cx="397565" cy="0"/>
+          </a:xfrm>
+          <a:prstGeom prst="straightConnector1">
+            <a:avLst/>
+          </a:prstGeom>
+          <a:ln w="22225">
+            <a:solidFill>
+              <a:schemeClr val="accent6">
+                <a:lumMod val="75000"/>
+              </a:schemeClr>
+            </a:solidFill>
+            <a:tailEnd type="triangle"/>
+          </a:ln>
+        </p:spPr>
+        <p:style>
+          <a:lnRef idx="1">
+            <a:schemeClr val="accent1"/>
+          </a:lnRef>
+          <a:fillRef idx="0">
+            <a:schemeClr val="accent1"/>
+          </a:fillRef>
+          <a:effectRef idx="0">
+            <a:schemeClr val="accent1"/>
+          </a:effectRef>
+          <a:fontRef idx="minor">
+            <a:schemeClr val="tx1"/>
+          </a:fontRef>
+        </p:style>
+      </p:cxnSp>
+      <p:cxnSp>
+        <p:nvCxnSpPr>
+          <p:cNvPr id="7" name="직선 화살표 연결선 6">
+            <a:extLst>
+              <a:ext uri="{FF2B5EF4-FFF2-40B4-BE49-F238E27FC236}">
+                <a16:creationId xmlns:a16="http://schemas.microsoft.com/office/drawing/2014/main" id="{E40AC7D4-6FD5-48C1-9E0A-2F01BE52D785}"/>
+              </a:ext>
+            </a:extLst>
+          </p:cNvPr>
+          <p:cNvCxnSpPr/>
+          <p:nvPr/>
+        </p:nvCxnSpPr>
+        <p:spPr>
+          <a:xfrm>
+            <a:off x="2758729" y="4303643"/>
+            <a:ext cx="397565" cy="0"/>
+          </a:xfrm>
+          <a:prstGeom prst="straightConnector1">
+            <a:avLst/>
+          </a:prstGeom>
+          <a:ln w="22225">
+            <a:solidFill>
+              <a:schemeClr val="accent6">
+                <a:lumMod val="75000"/>
+              </a:schemeClr>
+            </a:solidFill>
+            <a:tailEnd type="triangle"/>
+          </a:ln>
+        </p:spPr>
+        <p:style>
+          <a:lnRef idx="1">
+            <a:schemeClr val="accent1"/>
+          </a:lnRef>
+          <a:fillRef idx="0">
+            <a:schemeClr val="accent1"/>
+          </a:fillRef>
+          <a:effectRef idx="0">
+            <a:schemeClr val="accent1"/>
+          </a:effectRef>
+          <a:fontRef idx="minor">
+            <a:schemeClr val="tx1"/>
+          </a:fontRef>
+        </p:style>
+      </p:cxnSp>
+      <p:cxnSp>
+        <p:nvCxnSpPr>
+          <p:cNvPr id="9" name="직선 연결선 8">
+            <a:extLst>
+              <a:ext uri="{FF2B5EF4-FFF2-40B4-BE49-F238E27FC236}">
+                <a16:creationId xmlns:a16="http://schemas.microsoft.com/office/drawing/2014/main" id="{2CAB9BB1-912F-4E65-8341-4928D38C84C2}"/>
+              </a:ext>
+            </a:extLst>
+          </p:cNvPr>
+          <p:cNvCxnSpPr>
+            <a:cxnSpLocks/>
+          </p:cNvCxnSpPr>
+          <p:nvPr/>
+        </p:nvCxnSpPr>
+        <p:spPr>
+          <a:xfrm>
+            <a:off x="2758729" y="2991679"/>
+            <a:ext cx="0" cy="1311964"/>
+          </a:xfrm>
+          <a:prstGeom prst="line">
+            <a:avLst/>
+          </a:prstGeom>
+          <a:ln w="22225">
+            <a:solidFill>
+              <a:schemeClr val="accent6">
+                <a:lumMod val="75000"/>
+              </a:schemeClr>
+            </a:solidFill>
+          </a:ln>
+        </p:spPr>
+        <p:style>
+          <a:lnRef idx="1">
+            <a:schemeClr val="accent1"/>
+          </a:lnRef>
+          <a:fillRef idx="0">
+            <a:schemeClr val="accent1"/>
+          </a:fillRef>
+          <a:effectRef idx="0">
+            <a:schemeClr val="accent1"/>
+          </a:effectRef>
+          <a:fontRef idx="minor">
+            <a:schemeClr val="tx1"/>
+          </a:fontRef>
+        </p:style>
+      </p:cxnSp>
+      <p:sp>
+        <p:nvSpPr>
+          <p:cNvPr id="11" name="TextBox 10">
+            <a:extLst>
+              <a:ext uri="{FF2B5EF4-FFF2-40B4-BE49-F238E27FC236}">
+                <a16:creationId xmlns:a16="http://schemas.microsoft.com/office/drawing/2014/main" id="{09DC2E7D-0088-4B91-8F14-589952FEAD4F}"/>
+              </a:ext>
+            </a:extLst>
+          </p:cNvPr>
+          <p:cNvSpPr txBox="1"/>
+          <p:nvPr/>
+        </p:nvSpPr>
+        <p:spPr>
+          <a:xfrm>
+            <a:off x="1738993" y="3386051"/>
+            <a:ext cx="944868" cy="523220"/>
+          </a:xfrm>
+          <a:prstGeom prst="rect">
+            <a:avLst/>
+          </a:prstGeom>
+          <a:noFill/>
+        </p:spPr>
+        <p:txBody>
+          <a:bodyPr wrap="square" rtlCol="0">
+            <a:spAutoFit/>
+          </a:bodyPr>
+          <a:lstStyle/>
+          <a:p>
+            <a:r>
+              <a:rPr lang="ko-KR" altLang="en-US" sz="2800" dirty="0">
+                <a:latin typeface="윤고래체" panose="02020603020101020101" pitchFamily="18" charset="-127"/>
+                <a:ea typeface="윤고래체" panose="02020603020101020101" pitchFamily="18" charset="-127"/>
+              </a:rPr>
+              <a:t>행</a:t>
+            </a:r>
+            <a:r>
+              <a:rPr lang="en-US" altLang="ko-KR" sz="2800" dirty="0">
+                <a:latin typeface="윤고래체" panose="02020603020101020101" pitchFamily="18" charset="-127"/>
+                <a:ea typeface="윤고래체" panose="02020603020101020101" pitchFamily="18" charset="-127"/>
+              </a:rPr>
+              <a:t>(</a:t>
+            </a:r>
+            <a:r>
+              <a:rPr lang="ko-KR" altLang="en-US" sz="2800" dirty="0" err="1">
+                <a:latin typeface="윤고래체" panose="02020603020101020101" pitchFamily="18" charset="-127"/>
+                <a:ea typeface="윤고래체" panose="02020603020101020101" pitchFamily="18" charset="-127"/>
+              </a:rPr>
+              <a:t>튜플</a:t>
+            </a:r>
+            <a:r>
+              <a:rPr lang="en-US" altLang="ko-KR" sz="2800" dirty="0">
+                <a:latin typeface="윤고래체" panose="02020603020101020101" pitchFamily="18" charset="-127"/>
+                <a:ea typeface="윤고래체" panose="02020603020101020101" pitchFamily="18" charset="-127"/>
+              </a:rPr>
+              <a:t>)</a:t>
+            </a:r>
+            <a:endParaRPr lang="ko-KR" altLang="en-US" sz="2800" dirty="0">
+              <a:latin typeface="윤고래체" panose="02020603020101020101" pitchFamily="18" charset="-127"/>
+              <a:ea typeface="윤고래체" panose="02020603020101020101" pitchFamily="18" charset="-127"/>
+            </a:endParaRPr>
+          </a:p>
+        </p:txBody>
+      </p:sp>
+      <p:cxnSp>
+        <p:nvCxnSpPr>
+          <p:cNvPr id="10" name="직선 연결선 9">
+            <a:extLst>
+              <a:ext uri="{FF2B5EF4-FFF2-40B4-BE49-F238E27FC236}">
+                <a16:creationId xmlns:a16="http://schemas.microsoft.com/office/drawing/2014/main" id="{E8EECE81-B588-4ED7-B1D3-85986D1CE725}"/>
+              </a:ext>
+            </a:extLst>
+          </p:cNvPr>
+          <p:cNvCxnSpPr>
+            <a:cxnSpLocks/>
+          </p:cNvCxnSpPr>
+          <p:nvPr/>
+        </p:nvCxnSpPr>
+        <p:spPr>
+          <a:xfrm flipH="1">
+            <a:off x="3822217" y="1918250"/>
+            <a:ext cx="4214191" cy="0"/>
+          </a:xfrm>
+          <a:prstGeom prst="line">
+            <a:avLst/>
+          </a:prstGeom>
+          <a:ln w="22225">
+            <a:solidFill>
+              <a:schemeClr val="accent6">
+                <a:lumMod val="75000"/>
+              </a:schemeClr>
+            </a:solidFill>
+          </a:ln>
+        </p:spPr>
+        <p:style>
+          <a:lnRef idx="1">
+            <a:schemeClr val="accent1"/>
+          </a:lnRef>
+          <a:fillRef idx="0">
+            <a:schemeClr val="accent1"/>
+          </a:fillRef>
+          <a:effectRef idx="0">
+            <a:schemeClr val="accent1"/>
+          </a:effectRef>
+          <a:fontRef idx="minor">
+            <a:schemeClr val="tx1"/>
+          </a:fontRef>
+        </p:style>
+      </p:cxnSp>
+      <p:cxnSp>
+        <p:nvCxnSpPr>
+          <p:cNvPr id="12" name="직선 화살표 연결선 11">
+            <a:extLst>
+              <a:ext uri="{FF2B5EF4-FFF2-40B4-BE49-F238E27FC236}">
+                <a16:creationId xmlns:a16="http://schemas.microsoft.com/office/drawing/2014/main" id="{60A2366F-CEB3-41A1-BFEB-2415F76329BE}"/>
+              </a:ext>
+            </a:extLst>
+          </p:cNvPr>
+          <p:cNvCxnSpPr>
+            <a:cxnSpLocks/>
+          </p:cNvCxnSpPr>
+          <p:nvPr/>
+        </p:nvCxnSpPr>
+        <p:spPr>
+          <a:xfrm>
+            <a:off x="3822216" y="1918250"/>
+            <a:ext cx="0" cy="394873"/>
+          </a:xfrm>
+          <a:prstGeom prst="straightConnector1">
+            <a:avLst/>
+          </a:prstGeom>
+          <a:ln w="22225">
+            <a:solidFill>
+              <a:schemeClr val="accent6">
+                <a:lumMod val="75000"/>
+              </a:schemeClr>
+            </a:solidFill>
+            <a:tailEnd type="triangle"/>
+          </a:ln>
+        </p:spPr>
+        <p:style>
+          <a:lnRef idx="1">
+            <a:schemeClr val="accent1"/>
+          </a:lnRef>
+          <a:fillRef idx="0">
+            <a:schemeClr val="accent1"/>
+          </a:fillRef>
+          <a:effectRef idx="0">
+            <a:schemeClr val="accent1"/>
+          </a:effectRef>
+          <a:fontRef idx="minor">
+            <a:schemeClr val="tx1"/>
+          </a:fontRef>
+        </p:style>
+      </p:cxnSp>
+      <p:cxnSp>
+        <p:nvCxnSpPr>
+          <p:cNvPr id="13" name="직선 화살표 연결선 12">
+            <a:extLst>
+              <a:ext uri="{FF2B5EF4-FFF2-40B4-BE49-F238E27FC236}">
+                <a16:creationId xmlns:a16="http://schemas.microsoft.com/office/drawing/2014/main" id="{32ACBABB-D049-4934-AB5F-BE431BB1B631}"/>
+              </a:ext>
+            </a:extLst>
+          </p:cNvPr>
+          <p:cNvCxnSpPr>
+            <a:cxnSpLocks/>
+          </p:cNvCxnSpPr>
+          <p:nvPr/>
+        </p:nvCxnSpPr>
+        <p:spPr>
+          <a:xfrm>
+            <a:off x="4855886" y="1918250"/>
+            <a:ext cx="0" cy="394873"/>
+          </a:xfrm>
+          <a:prstGeom prst="straightConnector1">
+            <a:avLst/>
+          </a:prstGeom>
+          <a:ln w="22225">
+            <a:solidFill>
+              <a:schemeClr val="accent6">
+                <a:lumMod val="75000"/>
+              </a:schemeClr>
+            </a:solidFill>
+            <a:tailEnd type="triangle"/>
+          </a:ln>
+        </p:spPr>
+        <p:style>
+          <a:lnRef idx="1">
+            <a:schemeClr val="accent1"/>
+          </a:lnRef>
+          <a:fillRef idx="0">
+            <a:schemeClr val="accent1"/>
+          </a:fillRef>
+          <a:effectRef idx="0">
+            <a:schemeClr val="accent1"/>
+          </a:effectRef>
+          <a:fontRef idx="minor">
+            <a:schemeClr val="tx1"/>
+          </a:fontRef>
+        </p:style>
+      </p:cxnSp>
+      <p:cxnSp>
+        <p:nvCxnSpPr>
+          <p:cNvPr id="14" name="직선 화살표 연결선 13">
+            <a:extLst>
+              <a:ext uri="{FF2B5EF4-FFF2-40B4-BE49-F238E27FC236}">
+                <a16:creationId xmlns:a16="http://schemas.microsoft.com/office/drawing/2014/main" id="{55C1A3B2-AE39-4BE4-A07A-4BC029689354}"/>
+              </a:ext>
+            </a:extLst>
+          </p:cNvPr>
+          <p:cNvCxnSpPr>
+            <a:cxnSpLocks/>
+          </p:cNvCxnSpPr>
+          <p:nvPr/>
+        </p:nvCxnSpPr>
+        <p:spPr>
+          <a:xfrm>
+            <a:off x="5700712" y="1918250"/>
+            <a:ext cx="0" cy="394873"/>
+          </a:xfrm>
+          <a:prstGeom prst="straightConnector1">
+            <a:avLst/>
+          </a:prstGeom>
+          <a:ln w="22225">
+            <a:solidFill>
+              <a:schemeClr val="accent6">
+                <a:lumMod val="75000"/>
+              </a:schemeClr>
+            </a:solidFill>
+            <a:tailEnd type="triangle"/>
+          </a:ln>
+        </p:spPr>
+        <p:style>
+          <a:lnRef idx="1">
+            <a:schemeClr val="accent1"/>
+          </a:lnRef>
+          <a:fillRef idx="0">
+            <a:schemeClr val="accent1"/>
+          </a:fillRef>
+          <a:effectRef idx="0">
+            <a:schemeClr val="accent1"/>
+          </a:effectRef>
+          <a:fontRef idx="minor">
+            <a:schemeClr val="tx1"/>
+          </a:fontRef>
+        </p:style>
+      </p:cxnSp>
+      <p:cxnSp>
+        <p:nvCxnSpPr>
+          <p:cNvPr id="15" name="직선 화살표 연결선 14">
+            <a:extLst>
+              <a:ext uri="{FF2B5EF4-FFF2-40B4-BE49-F238E27FC236}">
+                <a16:creationId xmlns:a16="http://schemas.microsoft.com/office/drawing/2014/main" id="{A2B72F7D-F344-4655-BBFD-3A46B2B1600A}"/>
+              </a:ext>
+            </a:extLst>
+          </p:cNvPr>
+          <p:cNvCxnSpPr>
+            <a:cxnSpLocks/>
+          </p:cNvCxnSpPr>
+          <p:nvPr/>
+        </p:nvCxnSpPr>
+        <p:spPr>
+          <a:xfrm>
+            <a:off x="6615112" y="1936779"/>
+            <a:ext cx="0" cy="394873"/>
+          </a:xfrm>
+          <a:prstGeom prst="straightConnector1">
+            <a:avLst/>
+          </a:prstGeom>
+          <a:ln w="22225">
+            <a:solidFill>
+              <a:schemeClr val="accent6">
+                <a:lumMod val="75000"/>
+              </a:schemeClr>
+            </a:solidFill>
+            <a:tailEnd type="triangle"/>
+          </a:ln>
+        </p:spPr>
+        <p:style>
+          <a:lnRef idx="1">
+            <a:schemeClr val="accent1"/>
+          </a:lnRef>
+          <a:fillRef idx="0">
+            <a:schemeClr val="accent1"/>
+          </a:fillRef>
+          <a:effectRef idx="0">
+            <a:schemeClr val="accent1"/>
+          </a:effectRef>
+          <a:fontRef idx="minor">
+            <a:schemeClr val="tx1"/>
+          </a:fontRef>
+        </p:style>
+      </p:cxnSp>
+      <p:cxnSp>
+        <p:nvCxnSpPr>
+          <p:cNvPr id="16" name="직선 화살표 연결선 15">
+            <a:extLst>
+              <a:ext uri="{FF2B5EF4-FFF2-40B4-BE49-F238E27FC236}">
+                <a16:creationId xmlns:a16="http://schemas.microsoft.com/office/drawing/2014/main" id="{6443DDDF-86BA-40B3-B7B4-41616385A2D7}"/>
+              </a:ext>
+            </a:extLst>
+          </p:cNvPr>
+          <p:cNvCxnSpPr>
+            <a:cxnSpLocks/>
+          </p:cNvCxnSpPr>
+          <p:nvPr/>
+        </p:nvCxnSpPr>
+        <p:spPr>
+          <a:xfrm>
+            <a:off x="8036408" y="1918250"/>
+            <a:ext cx="0" cy="394873"/>
+          </a:xfrm>
+          <a:prstGeom prst="straightConnector1">
+            <a:avLst/>
+          </a:prstGeom>
+          <a:ln w="22225">
+            <a:solidFill>
+              <a:schemeClr val="accent6">
+                <a:lumMod val="75000"/>
+              </a:schemeClr>
+            </a:solidFill>
+            <a:tailEnd type="triangle"/>
+          </a:ln>
+        </p:spPr>
+        <p:style>
+          <a:lnRef idx="1">
+            <a:schemeClr val="accent1"/>
+          </a:lnRef>
+          <a:fillRef idx="0">
+            <a:schemeClr val="accent1"/>
+          </a:fillRef>
+          <a:effectRef idx="0">
+            <a:schemeClr val="accent1"/>
+          </a:effectRef>
+          <a:fontRef idx="minor">
+            <a:schemeClr val="tx1"/>
+          </a:fontRef>
+        </p:style>
+      </p:cxnSp>
+      <p:sp>
+        <p:nvSpPr>
+          <p:cNvPr id="18" name="TextBox 17">
+            <a:extLst>
+              <a:ext uri="{FF2B5EF4-FFF2-40B4-BE49-F238E27FC236}">
+                <a16:creationId xmlns:a16="http://schemas.microsoft.com/office/drawing/2014/main" id="{97978579-A3A7-4FBE-B541-04EE74689A6D}"/>
+              </a:ext>
+            </a:extLst>
+          </p:cNvPr>
+          <p:cNvSpPr txBox="1"/>
+          <p:nvPr/>
+        </p:nvSpPr>
+        <p:spPr>
+          <a:xfrm>
+            <a:off x="4748921" y="1395029"/>
+            <a:ext cx="2516579" cy="523220"/>
+          </a:xfrm>
+          <a:prstGeom prst="rect">
+            <a:avLst/>
+          </a:prstGeom>
+          <a:noFill/>
+        </p:spPr>
+        <p:txBody>
+          <a:bodyPr wrap="square" rtlCol="0">
+            <a:spAutoFit/>
+          </a:bodyPr>
+          <a:lstStyle/>
+          <a:p>
+            <a:r>
+              <a:rPr lang="ko-KR" altLang="en-US" sz="2800" dirty="0">
+                <a:latin typeface="윤고래체" panose="02020603020101020101" pitchFamily="18" charset="-127"/>
+                <a:ea typeface="윤고래체" panose="02020603020101020101" pitchFamily="18" charset="-127"/>
+              </a:rPr>
+              <a:t>열</a:t>
+            </a:r>
+            <a:r>
+              <a:rPr lang="en-US" altLang="ko-KR" sz="2800" dirty="0">
+                <a:latin typeface="윤고래체" panose="02020603020101020101" pitchFamily="18" charset="-127"/>
+                <a:ea typeface="윤고래체" panose="02020603020101020101" pitchFamily="18" charset="-127"/>
+              </a:rPr>
+              <a:t>(</a:t>
+            </a:r>
+            <a:r>
+              <a:rPr lang="ko-KR" altLang="en-US" sz="2800" dirty="0">
+                <a:latin typeface="윤고래체" panose="02020603020101020101" pitchFamily="18" charset="-127"/>
+                <a:ea typeface="윤고래체" panose="02020603020101020101" pitchFamily="18" charset="-127"/>
+              </a:rPr>
+              <a:t>속성</a:t>
+            </a:r>
+            <a:r>
+              <a:rPr lang="en-US" altLang="ko-KR" sz="2800" dirty="0">
+                <a:latin typeface="윤고래체" panose="02020603020101020101" pitchFamily="18" charset="-127"/>
+                <a:ea typeface="윤고래체" panose="02020603020101020101" pitchFamily="18" charset="-127"/>
+              </a:rPr>
+              <a:t>, </a:t>
+            </a:r>
+            <a:r>
+              <a:rPr lang="ko-KR" altLang="en-US" sz="2800" dirty="0" err="1">
+                <a:latin typeface="윤고래체" panose="02020603020101020101" pitchFamily="18" charset="-127"/>
+                <a:ea typeface="윤고래체" panose="02020603020101020101" pitchFamily="18" charset="-127"/>
+              </a:rPr>
+              <a:t>애트리뷰트</a:t>
+            </a:r>
+            <a:r>
+              <a:rPr lang="en-US" altLang="ko-KR" sz="2800" dirty="0">
+                <a:latin typeface="윤고래체" panose="02020603020101020101" pitchFamily="18" charset="-127"/>
+                <a:ea typeface="윤고래체" panose="02020603020101020101" pitchFamily="18" charset="-127"/>
+              </a:rPr>
+              <a:t>)</a:t>
+            </a:r>
+            <a:endParaRPr lang="ko-KR" altLang="en-US" sz="2800" dirty="0">
+              <a:latin typeface="윤고래체" panose="02020603020101020101" pitchFamily="18" charset="-127"/>
+              <a:ea typeface="윤고래체" panose="02020603020101020101" pitchFamily="18" charset="-127"/>
+            </a:endParaRPr>
+          </a:p>
+        </p:txBody>
+      </p:sp>
     </p:spTree>
     <p:extLst>
       <p:ext uri="{BB962C8B-B14F-4D97-AF65-F5344CB8AC3E}">
